--- a/slides/Lecture7.pptx
+++ b/slides/Lecture7.pptx
@@ -5,23 +5,24 @@
     <p:sldMasterId id="2147483693" r:id="rId1"/>
   </p:sldMasterIdLst>
   <p:notesMasterIdLst>
-    <p:notesMasterId r:id="rId13"/>
+    <p:notesMasterId r:id="rId14"/>
   </p:notesMasterIdLst>
   <p:handoutMasterIdLst>
-    <p:handoutMasterId r:id="rId14"/>
+    <p:handoutMasterId r:id="rId15"/>
   </p:handoutMasterIdLst>
   <p:sldIdLst>
     <p:sldId id="306" r:id="rId2"/>
     <p:sldId id="307" r:id="rId3"/>
-    <p:sldId id="319" r:id="rId4"/>
-    <p:sldId id="320" r:id="rId5"/>
-    <p:sldId id="308" r:id="rId6"/>
-    <p:sldId id="324" r:id="rId7"/>
-    <p:sldId id="325" r:id="rId8"/>
-    <p:sldId id="326" r:id="rId9"/>
-    <p:sldId id="329" r:id="rId10"/>
-    <p:sldId id="330" r:id="rId11"/>
-    <p:sldId id="331" r:id="rId12"/>
+    <p:sldId id="332" r:id="rId4"/>
+    <p:sldId id="319" r:id="rId5"/>
+    <p:sldId id="320" r:id="rId6"/>
+    <p:sldId id="308" r:id="rId7"/>
+    <p:sldId id="324" r:id="rId8"/>
+    <p:sldId id="325" r:id="rId9"/>
+    <p:sldId id="326" r:id="rId10"/>
+    <p:sldId id="329" r:id="rId11"/>
+    <p:sldId id="330" r:id="rId12"/>
+    <p:sldId id="331" r:id="rId13"/>
   </p:sldIdLst>
   <p:sldSz cx="9144000" cy="6858000" type="screen4x3"/>
   <p:notesSz cx="6858000" cy="9144000"/>
@@ -1194,10 +1195,99 @@
           <a:bodyPr/>
           <a:lstStyle/>
           <a:p>
+            <a:fld id="{DFAC1320-C743-4BB6-9900-F28D460D0DD5}" type="slidenum">
+              <a:rPr lang="en-US" altLang="en-US"/>
+              <a:pPr/>
+              <a:t>3</a:t>
+            </a:fld>
+            <a:endParaRPr lang="en-US" altLang="en-US"/>
+          </a:p>
+        </p:txBody>
+      </p:sp>
+      <p:sp>
+        <p:nvSpPr>
+          <p:cNvPr id="545794" name="Rectangle 2"/>
+          <p:cNvSpPr>
+            <a:spLocks noGrp="1" noRot="1" noChangeAspect="1" noChangeArrowheads="1" noTextEdit="1"/>
+          </p:cNvSpPr>
+          <p:nvPr>
+            <p:ph type="sldImg"/>
+          </p:nvPr>
+        </p:nvSpPr>
+        <p:spPr>
+          <a:ln/>
+        </p:spPr>
+      </p:sp>
+      <p:sp>
+        <p:nvSpPr>
+          <p:cNvPr id="545795" name="Rectangle 3"/>
+          <p:cNvSpPr>
+            <a:spLocks noGrp="1" noChangeArrowheads="1"/>
+          </p:cNvSpPr>
+          <p:nvPr>
+            <p:ph type="body" idx="1"/>
+          </p:nvPr>
+        </p:nvSpPr>
+        <p:spPr/>
+        <p:txBody>
+          <a:bodyPr/>
+          <a:lstStyle/>
+          <a:p>
+            <a:endParaRPr lang="en-US" altLang="en-US" dirty="0"/>
+          </a:p>
+        </p:txBody>
+      </p:sp>
+    </p:spTree>
+    <p:extLst>
+      <p:ext uri="{BB962C8B-B14F-4D97-AF65-F5344CB8AC3E}">
+        <p14:creationId xmlns:p14="http://schemas.microsoft.com/office/powerpoint/2010/main" val="2373620225"/>
+      </p:ext>
+    </p:extLst>
+  </p:cSld>
+  <p:clrMapOvr>
+    <a:masterClrMapping/>
+  </p:clrMapOvr>
+</p:notes>
+</file>
+
+<file path=ppt/notesSlides/notesSlide3.xml><?xml version="1.0" encoding="utf-8"?>
+<p:notes xmlns:a="http://schemas.openxmlformats.org/drawingml/2006/main" xmlns:r="http://schemas.openxmlformats.org/officeDocument/2006/relationships" xmlns:p="http://schemas.openxmlformats.org/presentationml/2006/main">
+  <p:cSld>
+    <p:spTree>
+      <p:nvGrpSpPr>
+        <p:cNvPr id="1" name=""/>
+        <p:cNvGrpSpPr/>
+        <p:nvPr/>
+      </p:nvGrpSpPr>
+      <p:grpSpPr>
+        <a:xfrm>
+          <a:off x="0" y="0"/>
+          <a:ext cx="0" cy="0"/>
+          <a:chOff x="0" y="0"/>
+          <a:chExt cx="0" cy="0"/>
+        </a:xfrm>
+      </p:grpSpPr>
+      <p:sp>
+        <p:nvSpPr>
+          <p:cNvPr id="7" name="Rectangle 7"/>
+          <p:cNvSpPr>
+            <a:spLocks noGrp="1" noChangeArrowheads="1"/>
+          </p:cNvSpPr>
+          <p:nvPr>
+            <p:ph type="sldNum" sz="quarter" idx="5"/>
+          </p:nvPr>
+        </p:nvSpPr>
+        <p:spPr>
+          <a:ln/>
+        </p:spPr>
+        <p:txBody>
+          <a:bodyPr/>
+          <a:lstStyle/>
+          <a:p>
             <a:fld id="{646904E9-AADF-40BE-8CA9-1F128B836F1C}" type="slidenum">
               <a:rPr lang="en-US" altLang="en-US"/>
               <a:pPr/>
-              <a:t>5</a:t>
+              <a:t>6</a:t>
             </a:fld>
             <a:endParaRPr lang="en-US" altLang="en-US"/>
           </a:p>
@@ -8799,7 +8889,7 @@
           <a:p>
             <a:r>
               <a:rPr lang="en-US" dirty="0" smtClean="0"/>
-              <a:t>Time complexity (Continued)</a:t>
+              <a:t>Time complexity</a:t>
             </a:r>
             <a:endParaRPr lang="en-US" dirty="0"/>
           </a:p>
@@ -8829,7 +8919,7 @@
               <a:rPr lang="en-US" dirty="0" err="1" smtClean="0">
                 <a:latin typeface="Courier"/>
               </a:rPr>
-              <a:t>ArrayList</a:t>
+              <a:t>HashSet</a:t>
             </a:r>
             <a:endParaRPr lang="en-US" dirty="0" smtClean="0">
               <a:latin typeface="Courier"/>
@@ -8851,6 +8941,266 @@
           <a:p>
             <a:pPr lvl="1"/>
             <a:r>
+              <a:rPr lang="en-US" dirty="0">
+                <a:latin typeface="Courier"/>
+              </a:rPr>
+              <a:t>c</a:t>
+            </a:r>
+            <a:r>
+              <a:rPr lang="en-US" dirty="0" smtClean="0">
+                <a:latin typeface="Courier"/>
+              </a:rPr>
+              <a:t>ontains</a:t>
+            </a:r>
+            <a:r>
+              <a:rPr lang="en-US" dirty="0" smtClean="0"/>
+              <a:t>: O(1)</a:t>
+            </a:r>
+          </a:p>
+          <a:p>
+            <a:endParaRPr lang="en-US" dirty="0" smtClean="0">
+              <a:latin typeface="Courier"/>
+            </a:endParaRPr>
+          </a:p>
+          <a:p>
+            <a:r>
+              <a:rPr lang="en-US" dirty="0" err="1" smtClean="0">
+                <a:latin typeface="Courier"/>
+              </a:rPr>
+              <a:t>TreeSet</a:t>
+            </a:r>
+            <a:endParaRPr lang="en-US" dirty="0">
+              <a:latin typeface="Courier"/>
+            </a:endParaRPr>
+          </a:p>
+          <a:p>
+            <a:pPr lvl="1"/>
+            <a:r>
+              <a:rPr lang="en-US" dirty="0">
+                <a:latin typeface="Courier"/>
+              </a:rPr>
+              <a:t>a</a:t>
+            </a:r>
+            <a:r>
+              <a:rPr lang="en-US" dirty="0" smtClean="0">
+                <a:latin typeface="Courier"/>
+              </a:rPr>
+              <a:t>dd</a:t>
+            </a:r>
+            <a:r>
+              <a:rPr lang="en-US" dirty="0" smtClean="0"/>
+              <a:t>: O(log(n))</a:t>
+            </a:r>
+          </a:p>
+          <a:p>
+            <a:pPr lvl="1"/>
+            <a:r>
+              <a:rPr lang="en-US" dirty="0">
+                <a:latin typeface="Courier"/>
+              </a:rPr>
+              <a:t>c</a:t>
+            </a:r>
+            <a:r>
+              <a:rPr lang="en-US" dirty="0" smtClean="0">
+                <a:latin typeface="Courier"/>
+              </a:rPr>
+              <a:t>ontains</a:t>
+            </a:r>
+            <a:r>
+              <a:rPr lang="en-US" dirty="0" smtClean="0"/>
+              <a:t>: O(log(n))</a:t>
+            </a:r>
+          </a:p>
+          <a:p>
+            <a:endParaRPr lang="en-US" dirty="0" smtClean="0">
+              <a:latin typeface="Courier"/>
+            </a:endParaRPr>
+          </a:p>
+          <a:p>
+            <a:r>
+              <a:rPr lang="en-US" dirty="0" err="1" smtClean="0">
+                <a:latin typeface="Courier"/>
+              </a:rPr>
+              <a:t>PriorityQueue</a:t>
+            </a:r>
+            <a:endParaRPr lang="en-US" dirty="0" smtClean="0">
+              <a:latin typeface="Courier"/>
+            </a:endParaRPr>
+          </a:p>
+          <a:p>
+            <a:pPr lvl="1"/>
+            <a:r>
+              <a:rPr lang="en-US" dirty="0" smtClean="0">
+                <a:latin typeface="Courier"/>
+              </a:rPr>
+              <a:t>add</a:t>
+            </a:r>
+            <a:r>
+              <a:rPr lang="en-US" dirty="0" smtClean="0"/>
+              <a:t> or </a:t>
+            </a:r>
+            <a:r>
+              <a:rPr lang="en-US" dirty="0" smtClean="0">
+                <a:latin typeface="Courier"/>
+              </a:rPr>
+              <a:t>offer</a:t>
+            </a:r>
+            <a:r>
+              <a:rPr lang="en-US" dirty="0" smtClean="0"/>
+              <a:t>: O(log(n))</a:t>
+            </a:r>
+          </a:p>
+          <a:p>
+            <a:pPr lvl="1"/>
+            <a:r>
+              <a:rPr lang="en-US" dirty="0">
+                <a:latin typeface="Courier"/>
+              </a:rPr>
+              <a:t>r</a:t>
+            </a:r>
+            <a:r>
+              <a:rPr lang="en-US" dirty="0" smtClean="0">
+                <a:latin typeface="Courier"/>
+              </a:rPr>
+              <a:t>emove</a:t>
+            </a:r>
+            <a:r>
+              <a:rPr lang="en-US" dirty="0" smtClean="0"/>
+              <a:t> or </a:t>
+            </a:r>
+            <a:r>
+              <a:rPr lang="en-US" dirty="0" smtClean="0">
+                <a:latin typeface="Courier"/>
+              </a:rPr>
+              <a:t>poll</a:t>
+            </a:r>
+            <a:r>
+              <a:rPr lang="en-US" dirty="0" smtClean="0"/>
+              <a:t>: O(log(n))</a:t>
+            </a:r>
+          </a:p>
+          <a:p>
+            <a:endParaRPr lang="en-US" dirty="0"/>
+          </a:p>
+          <a:p>
+            <a:pPr marL="344487" lvl="1" indent="0">
+              <a:buNone/>
+            </a:pPr>
+            <a:endParaRPr lang="en-US" dirty="0" smtClean="0"/>
+          </a:p>
+        </p:txBody>
+      </p:sp>
+    </p:spTree>
+    <p:extLst>
+      <p:ext uri="{BB962C8B-B14F-4D97-AF65-F5344CB8AC3E}">
+        <p14:creationId xmlns:p14="http://schemas.microsoft.com/office/powerpoint/2010/main" val="3718158238"/>
+      </p:ext>
+    </p:extLst>
+  </p:cSld>
+  <p:clrMapOvr>
+    <a:masterClrMapping/>
+  </p:clrMapOvr>
+  <p:timing>
+    <p:tnLst>
+      <p:par>
+        <p:cTn id="1" dur="indefinite" restart="never" nodeType="tmRoot"/>
+      </p:par>
+    </p:tnLst>
+  </p:timing>
+</p:sld>
+</file>
+
+<file path=ppt/slides/slide11.xml><?xml version="1.0" encoding="utf-8"?>
+<p:sld xmlns:a="http://schemas.openxmlformats.org/drawingml/2006/main" xmlns:r="http://schemas.openxmlformats.org/officeDocument/2006/relationships" xmlns:p="http://schemas.openxmlformats.org/presentationml/2006/main">
+  <p:cSld>
+    <p:spTree>
+      <p:nvGrpSpPr>
+        <p:cNvPr id="1" name=""/>
+        <p:cNvGrpSpPr/>
+        <p:nvPr/>
+      </p:nvGrpSpPr>
+      <p:grpSpPr>
+        <a:xfrm>
+          <a:off x="0" y="0"/>
+          <a:ext cx="0" cy="0"/>
+          <a:chOff x="0" y="0"/>
+          <a:chExt cx="0" cy="0"/>
+        </a:xfrm>
+      </p:grpSpPr>
+      <p:sp>
+        <p:nvSpPr>
+          <p:cNvPr id="2" name="Title 1"/>
+          <p:cNvSpPr>
+            <a:spLocks noGrp="1"/>
+          </p:cNvSpPr>
+          <p:nvPr>
+            <p:ph type="title"/>
+          </p:nvPr>
+        </p:nvSpPr>
+        <p:spPr>
+          <a:xfrm>
+            <a:off x="0" y="0"/>
+            <a:ext cx="8001000" cy="1417638"/>
+          </a:xfrm>
+        </p:spPr>
+        <p:txBody>
+          <a:bodyPr/>
+          <a:lstStyle/>
+          <a:p>
+            <a:r>
+              <a:rPr lang="en-US" dirty="0" smtClean="0"/>
+              <a:t>Time complexity (Continued)</a:t>
+            </a:r>
+            <a:endParaRPr lang="en-US" dirty="0"/>
+          </a:p>
+        </p:txBody>
+      </p:sp>
+      <p:sp>
+        <p:nvSpPr>
+          <p:cNvPr id="3" name="Content Placeholder 2"/>
+          <p:cNvSpPr>
+            <a:spLocks noGrp="1"/>
+          </p:cNvSpPr>
+          <p:nvPr>
+            <p:ph idx="1"/>
+          </p:nvPr>
+        </p:nvSpPr>
+        <p:spPr>
+          <a:xfrm>
+            <a:off x="0" y="1417638"/>
+            <a:ext cx="9144000" cy="5440362"/>
+          </a:xfrm>
+        </p:spPr>
+        <p:txBody>
+          <a:bodyPr/>
+          <a:lstStyle/>
+          <a:p>
+            <a:r>
+              <a:rPr lang="en-US" dirty="0" err="1" smtClean="0">
+                <a:latin typeface="Courier"/>
+              </a:rPr>
+              <a:t>ArrayList</a:t>
+            </a:r>
+            <a:endParaRPr lang="en-US" dirty="0" smtClean="0">
+              <a:latin typeface="Courier"/>
+            </a:endParaRPr>
+          </a:p>
+          <a:p>
+            <a:pPr lvl="1"/>
+            <a:r>
+              <a:rPr lang="en-US" dirty="0" smtClean="0">
+                <a:latin typeface="Courier"/>
+              </a:rPr>
+              <a:t>add</a:t>
+            </a:r>
+            <a:r>
+              <a:rPr lang="en-US" dirty="0" smtClean="0"/>
+              <a:t>: O(1) </a:t>
+            </a:r>
+          </a:p>
+          <a:p>
+            <a:pPr lvl="1"/>
+            <a:r>
               <a:rPr lang="en-US" dirty="0" smtClean="0">
                 <a:latin typeface="Courier"/>
               </a:rPr>
@@ -8891,13 +9241,7 @@
               <a:rPr lang="en-US" dirty="0" smtClean="0">
                 <a:latin typeface="Courier"/>
               </a:rPr>
-              <a:t>c</a:t>
-            </a:r>
-            <a:r>
-              <a:rPr lang="en-US" dirty="0" smtClean="0">
-                <a:latin typeface="Courier"/>
-              </a:rPr>
-              <a:t>ontains</a:t>
+              <a:t>contains</a:t>
             </a:r>
             <a:r>
               <a:rPr lang="en-US" dirty="0" smtClean="0">
@@ -8920,9 +9264,6 @@
               </a:rPr>
               <a:t>: O(n)</a:t>
             </a:r>
-            <a:endParaRPr lang="en-US" dirty="0" smtClean="0">
-              <a:latin typeface="+mj-lt"/>
-            </a:endParaRPr>
           </a:p>
           <a:p>
             <a:endParaRPr lang="en-US" dirty="0" smtClean="0">
@@ -9063,7 +9404,7 @@
 </p:sld>
 </file>
 
-<file path=ppt/slides/slide11.xml><?xml version="1.0" encoding="utf-8"?>
+<file path=ppt/slides/slide12.xml><?xml version="1.0" encoding="utf-8"?>
 <p:sld xmlns:a="http://schemas.openxmlformats.org/drawingml/2006/main" xmlns:r="http://schemas.openxmlformats.org/officeDocument/2006/relationships" xmlns:p="http://schemas.openxmlformats.org/presentationml/2006/main">
   <p:cSld>
     <p:spTree>
@@ -9412,6 +9753,105 @@
       </p:grpSpPr>
       <p:sp>
         <p:nvSpPr>
+          <p:cNvPr id="544770" name="Rectangle 2"/>
+          <p:cNvSpPr>
+            <a:spLocks noGrp="1" noChangeArrowheads="1"/>
+          </p:cNvSpPr>
+          <p:nvPr>
+            <p:ph type="title"/>
+          </p:nvPr>
+        </p:nvSpPr>
+        <p:spPr>
+          <a:xfrm>
+            <a:off x="0" y="0"/>
+            <a:ext cx="8001000" cy="990600"/>
+          </a:xfrm>
+        </p:spPr>
+        <p:txBody>
+          <a:bodyPr/>
+          <a:lstStyle/>
+          <a:p>
+            <a:r>
+              <a:rPr lang="en-US" altLang="en-US" dirty="0" smtClean="0"/>
+              <a:t>Java Collections </a:t>
+            </a:r>
+            <a:r>
+              <a:rPr lang="en-US" altLang="en-US" dirty="0" smtClean="0"/>
+              <a:t>Hierarchy</a:t>
+            </a:r>
+            <a:endParaRPr lang="en-US" altLang="en-US" dirty="0"/>
+          </a:p>
+        </p:txBody>
+      </p:sp>
+      <p:pic>
+        <p:nvPicPr>
+          <p:cNvPr id="2" name="Picture 1"/>
+          <p:cNvPicPr>
+            <a:picLocks noChangeAspect="1"/>
+          </p:cNvPicPr>
+          <p:nvPr/>
+        </p:nvPicPr>
+        <p:blipFill>
+          <a:blip r:embed="rId3">
+            <a:extLst>
+              <a:ext uri="{28A0092B-C50C-407E-A947-70E740481C1C}">
+                <a14:useLocalDpi xmlns:a14="http://schemas.microsoft.com/office/drawing/2010/main" val="0"/>
+              </a:ext>
+            </a:extLst>
+          </a:blip>
+          <a:stretch>
+            <a:fillRect/>
+          </a:stretch>
+        </p:blipFill>
+        <p:spPr>
+          <a:xfrm>
+            <a:off x="1066800" y="1295400"/>
+            <a:ext cx="6505575" cy="5446705"/>
+          </a:xfrm>
+          <a:prstGeom prst="rect">
+            <a:avLst/>
+          </a:prstGeom>
+        </p:spPr>
+      </p:pic>
+    </p:spTree>
+    <p:extLst>
+      <p:ext uri="{BB962C8B-B14F-4D97-AF65-F5344CB8AC3E}">
+        <p14:creationId xmlns:p14="http://schemas.microsoft.com/office/powerpoint/2010/main" val="3157058617"/>
+      </p:ext>
+    </p:extLst>
+  </p:cSld>
+  <p:clrMapOvr>
+    <a:masterClrMapping/>
+  </p:clrMapOvr>
+  <p:timing>
+    <p:tnLst>
+      <p:par>
+        <p:cTn id="1" dur="indefinite" restart="never" nodeType="tmRoot"/>
+      </p:par>
+    </p:tnLst>
+  </p:timing>
+</p:sld>
+</file>
+
+<file path=ppt/slides/slide4.xml><?xml version="1.0" encoding="utf-8"?>
+<p:sld xmlns:a="http://schemas.openxmlformats.org/drawingml/2006/main" xmlns:r="http://schemas.openxmlformats.org/officeDocument/2006/relationships" xmlns:p="http://schemas.openxmlformats.org/presentationml/2006/main">
+  <p:cSld>
+    <p:spTree>
+      <p:nvGrpSpPr>
+        <p:cNvPr id="1" name=""/>
+        <p:cNvGrpSpPr/>
+        <p:nvPr/>
+      </p:nvGrpSpPr>
+      <p:grpSpPr>
+        <a:xfrm>
+          <a:off x="0" y="0"/>
+          <a:ext cx="0" cy="0"/>
+          <a:chOff x="0" y="0"/>
+          <a:chExt cx="0" cy="0"/>
+        </a:xfrm>
+      </p:grpSpPr>
+      <p:sp>
+        <p:nvSpPr>
           <p:cNvPr id="563202" name="Rectangle 2"/>
           <p:cNvSpPr>
             <a:spLocks noGrp="1" noChangeArrowheads="1"/>
@@ -9585,7 +10025,7 @@
 </p:sld>
 </file>
 
-<file path=ppt/slides/slide4.xml><?xml version="1.0" encoding="utf-8"?>
+<file path=ppt/slides/slide5.xml><?xml version="1.0" encoding="utf-8"?>
 <p:sld xmlns:a="http://schemas.openxmlformats.org/drawingml/2006/main" xmlns:r="http://schemas.openxmlformats.org/officeDocument/2006/relationships" xmlns:p="http://schemas.openxmlformats.org/presentationml/2006/main" showMasterPhAnim="0">
   <p:cSld>
     <p:spTree>
@@ -10171,7 +10611,7 @@
 </p:sld>
 </file>
 
-<file path=ppt/slides/slide5.xml><?xml version="1.0" encoding="utf-8"?>
+<file path=ppt/slides/slide6.xml><?xml version="1.0" encoding="utf-8"?>
 <p:sld xmlns:a="http://schemas.openxmlformats.org/drawingml/2006/main" xmlns:r="http://schemas.openxmlformats.org/officeDocument/2006/relationships" xmlns:p="http://schemas.openxmlformats.org/presentationml/2006/main">
   <p:cSld>
     <p:spTree>
@@ -10432,227 +10872,6 @@
         </p:txBody>
       </p:sp>
     </p:spTree>
-  </p:cSld>
-  <p:clrMapOvr>
-    <a:masterClrMapping/>
-  </p:clrMapOvr>
-  <p:timing>
-    <p:tnLst>
-      <p:par>
-        <p:cTn id="1" dur="indefinite" restart="never" nodeType="tmRoot"/>
-      </p:par>
-    </p:tnLst>
-  </p:timing>
-</p:sld>
-</file>
-
-<file path=ppt/slides/slide6.xml><?xml version="1.0" encoding="utf-8"?>
-<p:sld xmlns:a="http://schemas.openxmlformats.org/drawingml/2006/main" xmlns:r="http://schemas.openxmlformats.org/officeDocument/2006/relationships" xmlns:p="http://schemas.openxmlformats.org/presentationml/2006/main">
-  <p:cSld>
-    <p:spTree>
-      <p:nvGrpSpPr>
-        <p:cNvPr id="1" name=""/>
-        <p:cNvGrpSpPr/>
-        <p:nvPr/>
-      </p:nvGrpSpPr>
-      <p:grpSpPr>
-        <a:xfrm>
-          <a:off x="0" y="0"/>
-          <a:ext cx="0" cy="0"/>
-          <a:chOff x="0" y="0"/>
-          <a:chExt cx="0" cy="0"/>
-        </a:xfrm>
-      </p:grpSpPr>
-      <p:sp>
-        <p:nvSpPr>
-          <p:cNvPr id="2" name="Title 1"/>
-          <p:cNvSpPr>
-            <a:spLocks noGrp="1"/>
-          </p:cNvSpPr>
-          <p:nvPr>
-            <p:ph type="title"/>
-          </p:nvPr>
-        </p:nvSpPr>
-        <p:spPr>
-          <a:xfrm>
-            <a:off x="0" y="0"/>
-            <a:ext cx="8001000" cy="1417638"/>
-          </a:xfrm>
-        </p:spPr>
-        <p:txBody>
-          <a:bodyPr/>
-          <a:lstStyle/>
-          <a:p>
-            <a:r>
-              <a:rPr lang="en-US" dirty="0" smtClean="0"/>
-              <a:t>Maps</a:t>
-            </a:r>
-            <a:endParaRPr lang="en-US" dirty="0"/>
-          </a:p>
-        </p:txBody>
-      </p:sp>
-      <p:sp>
-        <p:nvSpPr>
-          <p:cNvPr id="3" name="Content Placeholder 2"/>
-          <p:cNvSpPr>
-            <a:spLocks noGrp="1"/>
-          </p:cNvSpPr>
-          <p:nvPr>
-            <p:ph idx="1"/>
-          </p:nvPr>
-        </p:nvSpPr>
-        <p:spPr>
-          <a:xfrm>
-            <a:off x="0" y="1600200"/>
-            <a:ext cx="9144000" cy="5257800"/>
-          </a:xfrm>
-        </p:spPr>
-        <p:txBody>
-          <a:bodyPr/>
-          <a:lstStyle/>
-          <a:p>
-            <a:r>
-              <a:rPr lang="en-US" dirty="0" smtClean="0">
-                <a:latin typeface="Courier"/>
-              </a:rPr>
-              <a:t>Map</a:t>
-            </a:r>
-          </a:p>
-          <a:p>
-            <a:pPr lvl="1"/>
-            <a:r>
-              <a:rPr lang="en-US" dirty="0" smtClean="0"/>
-              <a:t>associates keys to values</a:t>
-            </a:r>
-          </a:p>
-          <a:p>
-            <a:pPr lvl="2"/>
-            <a:r>
-              <a:rPr lang="en-US" dirty="0" smtClean="0"/>
-              <a:t>Where keys must be unique</a:t>
-            </a:r>
-          </a:p>
-          <a:p>
-            <a:pPr lvl="2"/>
-            <a:endParaRPr lang="en-US" dirty="0"/>
-          </a:p>
-          <a:p>
-            <a:pPr lvl="1"/>
-            <a:r>
-              <a:rPr lang="en-US" dirty="0" smtClean="0"/>
-              <a:t>is implemented by</a:t>
-            </a:r>
-          </a:p>
-          <a:p>
-            <a:pPr lvl="2"/>
-            <a:r>
-              <a:rPr lang="en-US" dirty="0" err="1" smtClean="0">
-                <a:latin typeface="Courier"/>
-              </a:rPr>
-              <a:t>HashMap</a:t>
-            </a:r>
-            <a:r>
-              <a:rPr lang="en-US" dirty="0" smtClean="0"/>
-              <a:t> and </a:t>
-            </a:r>
-            <a:r>
-              <a:rPr lang="en-US" dirty="0" err="1" smtClean="0">
-                <a:latin typeface="Courier"/>
-              </a:rPr>
-              <a:t>TreeMap</a:t>
-            </a:r>
-            <a:endParaRPr lang="en-US" dirty="0" smtClean="0">
-              <a:latin typeface="Courier"/>
-            </a:endParaRPr>
-          </a:p>
-          <a:p>
-            <a:pPr lvl="2"/>
-            <a:endParaRPr lang="en-US" dirty="0">
-              <a:latin typeface="Courier"/>
-            </a:endParaRPr>
-          </a:p>
-          <a:p>
-            <a:r>
-              <a:rPr lang="en-US" dirty="0" err="1" smtClean="0">
-                <a:latin typeface="Courier"/>
-              </a:rPr>
-              <a:t>TreeMap</a:t>
-            </a:r>
-            <a:r>
-              <a:rPr lang="en-US" dirty="0" smtClean="0">
-                <a:latin typeface="+mj-lt"/>
-              </a:rPr>
-              <a:t> </a:t>
-            </a:r>
-          </a:p>
-          <a:p>
-            <a:pPr lvl="1"/>
-            <a:r>
-              <a:rPr lang="en-US" dirty="0" smtClean="0">
-                <a:latin typeface="+mj-lt"/>
-              </a:rPr>
-              <a:t>maintains its keys in ascending order </a:t>
-            </a:r>
-          </a:p>
-          <a:p>
-            <a:pPr lvl="1"/>
-            <a:endParaRPr lang="en-US" dirty="0">
-              <a:latin typeface="+mj-lt"/>
-            </a:endParaRPr>
-          </a:p>
-          <a:p>
-            <a:pPr lvl="1"/>
-            <a:r>
-              <a:rPr lang="en-US" dirty="0" smtClean="0">
-                <a:latin typeface="+mj-lt"/>
-              </a:rPr>
-              <a:t>Implements the </a:t>
-            </a:r>
-            <a:r>
-              <a:rPr lang="en-US" dirty="0" err="1" smtClean="0">
-                <a:latin typeface="Courier"/>
-              </a:rPr>
-              <a:t>SortedMap</a:t>
-            </a:r>
-            <a:r>
-              <a:rPr lang="en-US" dirty="0" smtClean="0">
-                <a:latin typeface="+mj-lt"/>
-              </a:rPr>
-              <a:t> interface</a:t>
-            </a:r>
-          </a:p>
-          <a:p>
-            <a:pPr lvl="2"/>
-            <a:r>
-              <a:rPr lang="en-US" dirty="0" smtClean="0">
-                <a:latin typeface="+mj-lt"/>
-              </a:rPr>
-              <a:t>Which is derived from the </a:t>
-            </a:r>
-            <a:r>
-              <a:rPr lang="en-US" dirty="0" smtClean="0">
-                <a:latin typeface="Courier"/>
-              </a:rPr>
-              <a:t>Map</a:t>
-            </a:r>
-            <a:r>
-              <a:rPr lang="en-US" dirty="0" smtClean="0">
-                <a:latin typeface="+mj-lt"/>
-              </a:rPr>
-              <a:t> interface</a:t>
-            </a:r>
-            <a:endParaRPr lang="en-US" dirty="0">
-              <a:latin typeface="+mj-lt"/>
-            </a:endParaRPr>
-          </a:p>
-        </p:txBody>
-      </p:sp>
-    </p:spTree>
-    <p:extLst>
-      <p:ext uri="{BB962C8B-B14F-4D97-AF65-F5344CB8AC3E}">
-        <p14:creationId xmlns:p14="http://schemas.microsoft.com/office/powerpoint/2010/main" val="3123321572"/>
-      </p:ext>
-    </p:extLst>
   </p:cSld>
   <p:clrMapOvr>
     <a:masterClrMapping/>
@@ -10706,6 +10925,227 @@
           <a:p>
             <a:r>
               <a:rPr lang="en-US" dirty="0" smtClean="0"/>
+              <a:t>Maps</a:t>
+            </a:r>
+            <a:endParaRPr lang="en-US" dirty="0"/>
+          </a:p>
+        </p:txBody>
+      </p:sp>
+      <p:sp>
+        <p:nvSpPr>
+          <p:cNvPr id="3" name="Content Placeholder 2"/>
+          <p:cNvSpPr>
+            <a:spLocks noGrp="1"/>
+          </p:cNvSpPr>
+          <p:nvPr>
+            <p:ph idx="1"/>
+          </p:nvPr>
+        </p:nvSpPr>
+        <p:spPr>
+          <a:xfrm>
+            <a:off x="0" y="1600200"/>
+            <a:ext cx="9144000" cy="5257800"/>
+          </a:xfrm>
+        </p:spPr>
+        <p:txBody>
+          <a:bodyPr/>
+          <a:lstStyle/>
+          <a:p>
+            <a:r>
+              <a:rPr lang="en-US" dirty="0" smtClean="0">
+                <a:latin typeface="Courier"/>
+              </a:rPr>
+              <a:t>Map</a:t>
+            </a:r>
+          </a:p>
+          <a:p>
+            <a:pPr lvl="1"/>
+            <a:r>
+              <a:rPr lang="en-US" dirty="0" smtClean="0"/>
+              <a:t>associates keys to values</a:t>
+            </a:r>
+          </a:p>
+          <a:p>
+            <a:pPr lvl="2"/>
+            <a:r>
+              <a:rPr lang="en-US" dirty="0" smtClean="0"/>
+              <a:t>Where keys must be unique</a:t>
+            </a:r>
+          </a:p>
+          <a:p>
+            <a:pPr lvl="2"/>
+            <a:endParaRPr lang="en-US" dirty="0"/>
+          </a:p>
+          <a:p>
+            <a:pPr lvl="1"/>
+            <a:r>
+              <a:rPr lang="en-US" dirty="0" smtClean="0"/>
+              <a:t>is implemented by</a:t>
+            </a:r>
+          </a:p>
+          <a:p>
+            <a:pPr lvl="2"/>
+            <a:r>
+              <a:rPr lang="en-US" dirty="0" err="1" smtClean="0">
+                <a:latin typeface="Courier"/>
+              </a:rPr>
+              <a:t>HashMap</a:t>
+            </a:r>
+            <a:r>
+              <a:rPr lang="en-US" dirty="0" smtClean="0"/>
+              <a:t> and </a:t>
+            </a:r>
+            <a:r>
+              <a:rPr lang="en-US" dirty="0" err="1" smtClean="0">
+                <a:latin typeface="Courier"/>
+              </a:rPr>
+              <a:t>TreeMap</a:t>
+            </a:r>
+            <a:endParaRPr lang="en-US" dirty="0" smtClean="0">
+              <a:latin typeface="Courier"/>
+            </a:endParaRPr>
+          </a:p>
+          <a:p>
+            <a:pPr lvl="2"/>
+            <a:endParaRPr lang="en-US" dirty="0">
+              <a:latin typeface="Courier"/>
+            </a:endParaRPr>
+          </a:p>
+          <a:p>
+            <a:r>
+              <a:rPr lang="en-US" dirty="0" err="1" smtClean="0">
+                <a:latin typeface="Courier"/>
+              </a:rPr>
+              <a:t>TreeMap</a:t>
+            </a:r>
+            <a:r>
+              <a:rPr lang="en-US" dirty="0" smtClean="0">
+                <a:latin typeface="+mj-lt"/>
+              </a:rPr>
+              <a:t> </a:t>
+            </a:r>
+          </a:p>
+          <a:p>
+            <a:pPr lvl="1"/>
+            <a:r>
+              <a:rPr lang="en-US" dirty="0" smtClean="0">
+                <a:latin typeface="+mj-lt"/>
+              </a:rPr>
+              <a:t>maintains its keys in ascending order </a:t>
+            </a:r>
+          </a:p>
+          <a:p>
+            <a:pPr lvl="1"/>
+            <a:endParaRPr lang="en-US" dirty="0">
+              <a:latin typeface="+mj-lt"/>
+            </a:endParaRPr>
+          </a:p>
+          <a:p>
+            <a:pPr lvl="1"/>
+            <a:r>
+              <a:rPr lang="en-US" dirty="0" smtClean="0">
+                <a:latin typeface="+mj-lt"/>
+              </a:rPr>
+              <a:t>Implements the </a:t>
+            </a:r>
+            <a:r>
+              <a:rPr lang="en-US" dirty="0" err="1" smtClean="0">
+                <a:latin typeface="Courier"/>
+              </a:rPr>
+              <a:t>SortedMap</a:t>
+            </a:r>
+            <a:r>
+              <a:rPr lang="en-US" dirty="0" smtClean="0">
+                <a:latin typeface="+mj-lt"/>
+              </a:rPr>
+              <a:t> interface</a:t>
+            </a:r>
+          </a:p>
+          <a:p>
+            <a:pPr lvl="2"/>
+            <a:r>
+              <a:rPr lang="en-US" dirty="0" smtClean="0">
+                <a:latin typeface="+mj-lt"/>
+              </a:rPr>
+              <a:t>Which is derived from the </a:t>
+            </a:r>
+            <a:r>
+              <a:rPr lang="en-US" dirty="0" smtClean="0">
+                <a:latin typeface="Courier"/>
+              </a:rPr>
+              <a:t>Map</a:t>
+            </a:r>
+            <a:r>
+              <a:rPr lang="en-US" dirty="0" smtClean="0">
+                <a:latin typeface="+mj-lt"/>
+              </a:rPr>
+              <a:t> interface</a:t>
+            </a:r>
+            <a:endParaRPr lang="en-US" dirty="0">
+              <a:latin typeface="+mj-lt"/>
+            </a:endParaRPr>
+          </a:p>
+        </p:txBody>
+      </p:sp>
+    </p:spTree>
+    <p:extLst>
+      <p:ext uri="{BB962C8B-B14F-4D97-AF65-F5344CB8AC3E}">
+        <p14:creationId xmlns:p14="http://schemas.microsoft.com/office/powerpoint/2010/main" val="3123321572"/>
+      </p:ext>
+    </p:extLst>
+  </p:cSld>
+  <p:clrMapOvr>
+    <a:masterClrMapping/>
+  </p:clrMapOvr>
+  <p:timing>
+    <p:tnLst>
+      <p:par>
+        <p:cTn id="1" dur="indefinite" restart="never" nodeType="tmRoot"/>
+      </p:par>
+    </p:tnLst>
+  </p:timing>
+</p:sld>
+</file>
+
+<file path=ppt/slides/slide8.xml><?xml version="1.0" encoding="utf-8"?>
+<p:sld xmlns:a="http://schemas.openxmlformats.org/drawingml/2006/main" xmlns:r="http://schemas.openxmlformats.org/officeDocument/2006/relationships" xmlns:p="http://schemas.openxmlformats.org/presentationml/2006/main">
+  <p:cSld>
+    <p:spTree>
+      <p:nvGrpSpPr>
+        <p:cNvPr id="1" name=""/>
+        <p:cNvGrpSpPr/>
+        <p:nvPr/>
+      </p:nvGrpSpPr>
+      <p:grpSpPr>
+        <a:xfrm>
+          <a:off x="0" y="0"/>
+          <a:ext cx="0" cy="0"/>
+          <a:chOff x="0" y="0"/>
+          <a:chExt cx="0" cy="0"/>
+        </a:xfrm>
+      </p:grpSpPr>
+      <p:sp>
+        <p:nvSpPr>
+          <p:cNvPr id="2" name="Title 1"/>
+          <p:cNvSpPr>
+            <a:spLocks noGrp="1"/>
+          </p:cNvSpPr>
+          <p:nvPr>
+            <p:ph type="title"/>
+          </p:nvPr>
+        </p:nvSpPr>
+        <p:spPr>
+          <a:xfrm>
+            <a:off x="0" y="0"/>
+            <a:ext cx="8001000" cy="1417638"/>
+          </a:xfrm>
+        </p:spPr>
+        <p:txBody>
+          <a:bodyPr/>
+          <a:lstStyle/>
+          <a:p>
+            <a:r>
+              <a:rPr lang="en-US" dirty="0" smtClean="0"/>
               <a:t>Class </a:t>
             </a:r>
             <a:r>
@@ -10755,11 +11195,7 @@
             <a:pPr lvl="1"/>
             <a:r>
               <a:rPr lang="en-US" dirty="0" smtClean="0"/>
-              <a:t>e</a:t>
-            </a:r>
-            <a:r>
-              <a:rPr lang="en-US" dirty="0" smtClean="0"/>
-              <a:t>xtends interface </a:t>
+              <a:t>extends interface </a:t>
             </a:r>
             <a:r>
               <a:rPr lang="en-US" dirty="0" smtClean="0">
@@ -10844,7 +11280,6 @@
               <a:rPr lang="en-US" dirty="0" smtClean="0"/>
               <a:t> interface</a:t>
             </a:r>
-            <a:endParaRPr lang="en-US" dirty="0" smtClean="0"/>
           </a:p>
         </p:txBody>
       </p:sp>
@@ -10868,7 +11303,7 @@
 </p:sld>
 </file>
 
-<file path=ppt/slides/slide8.xml><?xml version="1.0" encoding="utf-8"?>
+<file path=ppt/slides/slide9.xml><?xml version="1.0" encoding="utf-8"?>
 <p:sld xmlns:a="http://schemas.openxmlformats.org/drawingml/2006/main" xmlns:r="http://schemas.openxmlformats.org/officeDocument/2006/relationships" xmlns:p="http://schemas.openxmlformats.org/presentationml/2006/main">
   <p:cSld>
     <p:spTree>
@@ -11023,266 +11458,6 @@
     <p:extLst>
       <p:ext uri="{BB962C8B-B14F-4D97-AF65-F5344CB8AC3E}">
         <p14:creationId xmlns:p14="http://schemas.microsoft.com/office/powerpoint/2010/main" val="258936480"/>
-      </p:ext>
-    </p:extLst>
-  </p:cSld>
-  <p:clrMapOvr>
-    <a:masterClrMapping/>
-  </p:clrMapOvr>
-  <p:timing>
-    <p:tnLst>
-      <p:par>
-        <p:cTn id="1" dur="indefinite" restart="never" nodeType="tmRoot"/>
-      </p:par>
-    </p:tnLst>
-  </p:timing>
-</p:sld>
-</file>
-
-<file path=ppt/slides/slide9.xml><?xml version="1.0" encoding="utf-8"?>
-<p:sld xmlns:a="http://schemas.openxmlformats.org/drawingml/2006/main" xmlns:r="http://schemas.openxmlformats.org/officeDocument/2006/relationships" xmlns:p="http://schemas.openxmlformats.org/presentationml/2006/main">
-  <p:cSld>
-    <p:spTree>
-      <p:nvGrpSpPr>
-        <p:cNvPr id="1" name=""/>
-        <p:cNvGrpSpPr/>
-        <p:nvPr/>
-      </p:nvGrpSpPr>
-      <p:grpSpPr>
-        <a:xfrm>
-          <a:off x="0" y="0"/>
-          <a:ext cx="0" cy="0"/>
-          <a:chOff x="0" y="0"/>
-          <a:chExt cx="0" cy="0"/>
-        </a:xfrm>
-      </p:grpSpPr>
-      <p:sp>
-        <p:nvSpPr>
-          <p:cNvPr id="2" name="Title 1"/>
-          <p:cNvSpPr>
-            <a:spLocks noGrp="1"/>
-          </p:cNvSpPr>
-          <p:nvPr>
-            <p:ph type="title"/>
-          </p:nvPr>
-        </p:nvSpPr>
-        <p:spPr>
-          <a:xfrm>
-            <a:off x="0" y="0"/>
-            <a:ext cx="8001000" cy="1417638"/>
-          </a:xfrm>
-        </p:spPr>
-        <p:txBody>
-          <a:bodyPr/>
-          <a:lstStyle/>
-          <a:p>
-            <a:r>
-              <a:rPr lang="en-US" dirty="0" smtClean="0"/>
-              <a:t>Time complexity</a:t>
-            </a:r>
-            <a:endParaRPr lang="en-US" dirty="0"/>
-          </a:p>
-        </p:txBody>
-      </p:sp>
-      <p:sp>
-        <p:nvSpPr>
-          <p:cNvPr id="3" name="Content Placeholder 2"/>
-          <p:cNvSpPr>
-            <a:spLocks noGrp="1"/>
-          </p:cNvSpPr>
-          <p:nvPr>
-            <p:ph idx="1"/>
-          </p:nvPr>
-        </p:nvSpPr>
-        <p:spPr>
-          <a:xfrm>
-            <a:off x="0" y="1417638"/>
-            <a:ext cx="9144000" cy="5440362"/>
-          </a:xfrm>
-        </p:spPr>
-        <p:txBody>
-          <a:bodyPr/>
-          <a:lstStyle/>
-          <a:p>
-            <a:r>
-              <a:rPr lang="en-US" dirty="0" err="1" smtClean="0">
-                <a:latin typeface="Courier"/>
-              </a:rPr>
-              <a:t>HashSet</a:t>
-            </a:r>
-            <a:endParaRPr lang="en-US" dirty="0" smtClean="0">
-              <a:latin typeface="Courier"/>
-            </a:endParaRPr>
-          </a:p>
-          <a:p>
-            <a:pPr lvl="1"/>
-            <a:r>
-              <a:rPr lang="en-US" dirty="0" smtClean="0">
-                <a:latin typeface="Courier"/>
-              </a:rPr>
-              <a:t>add</a:t>
-            </a:r>
-            <a:r>
-              <a:rPr lang="en-US" dirty="0" smtClean="0"/>
-              <a:t>: O(1) </a:t>
-            </a:r>
-          </a:p>
-          <a:p>
-            <a:pPr lvl="1"/>
-            <a:r>
-              <a:rPr lang="en-US" dirty="0">
-                <a:latin typeface="Courier"/>
-              </a:rPr>
-              <a:t>c</a:t>
-            </a:r>
-            <a:r>
-              <a:rPr lang="en-US" dirty="0" smtClean="0">
-                <a:latin typeface="Courier"/>
-              </a:rPr>
-              <a:t>ontains</a:t>
-            </a:r>
-            <a:r>
-              <a:rPr lang="en-US" dirty="0" smtClean="0"/>
-              <a:t>: O(1)</a:t>
-            </a:r>
-          </a:p>
-          <a:p>
-            <a:endParaRPr lang="en-US" dirty="0" smtClean="0">
-              <a:latin typeface="Courier"/>
-            </a:endParaRPr>
-          </a:p>
-          <a:p>
-            <a:r>
-              <a:rPr lang="en-US" dirty="0" err="1" smtClean="0">
-                <a:latin typeface="Courier"/>
-              </a:rPr>
-              <a:t>TreeSet</a:t>
-            </a:r>
-            <a:endParaRPr lang="en-US" dirty="0">
-              <a:latin typeface="Courier"/>
-            </a:endParaRPr>
-          </a:p>
-          <a:p>
-            <a:pPr lvl="1"/>
-            <a:r>
-              <a:rPr lang="en-US" dirty="0">
-                <a:latin typeface="Courier"/>
-              </a:rPr>
-              <a:t>a</a:t>
-            </a:r>
-            <a:r>
-              <a:rPr lang="en-US" dirty="0" smtClean="0">
-                <a:latin typeface="Courier"/>
-              </a:rPr>
-              <a:t>dd</a:t>
-            </a:r>
-            <a:r>
-              <a:rPr lang="en-US" dirty="0" smtClean="0"/>
-              <a:t>: O(log(n))</a:t>
-            </a:r>
-          </a:p>
-          <a:p>
-            <a:pPr lvl="1"/>
-            <a:r>
-              <a:rPr lang="en-US" dirty="0">
-                <a:latin typeface="Courier"/>
-              </a:rPr>
-              <a:t>c</a:t>
-            </a:r>
-            <a:r>
-              <a:rPr lang="en-US" dirty="0" smtClean="0">
-                <a:latin typeface="Courier"/>
-              </a:rPr>
-              <a:t>ontains</a:t>
-            </a:r>
-            <a:r>
-              <a:rPr lang="en-US" dirty="0" smtClean="0"/>
-              <a:t>: O(log(n))</a:t>
-            </a:r>
-          </a:p>
-          <a:p>
-            <a:endParaRPr lang="en-US" dirty="0" smtClean="0">
-              <a:latin typeface="Courier"/>
-            </a:endParaRPr>
-          </a:p>
-          <a:p>
-            <a:r>
-              <a:rPr lang="en-US" dirty="0" err="1" smtClean="0">
-                <a:latin typeface="Courier"/>
-              </a:rPr>
-              <a:t>PriorityQueue</a:t>
-            </a:r>
-            <a:endParaRPr lang="en-US" dirty="0" smtClean="0">
-              <a:latin typeface="Courier"/>
-            </a:endParaRPr>
-          </a:p>
-          <a:p>
-            <a:pPr lvl="1"/>
-            <a:r>
-              <a:rPr lang="en-US" dirty="0" smtClean="0">
-                <a:latin typeface="Courier"/>
-              </a:rPr>
-              <a:t>add</a:t>
-            </a:r>
-            <a:r>
-              <a:rPr lang="en-US" dirty="0" smtClean="0"/>
-              <a:t> or </a:t>
-            </a:r>
-            <a:r>
-              <a:rPr lang="en-US" dirty="0" smtClean="0">
-                <a:latin typeface="Courier"/>
-              </a:rPr>
-              <a:t>offer</a:t>
-            </a:r>
-            <a:r>
-              <a:rPr lang="en-US" dirty="0" smtClean="0"/>
-              <a:t>: O(log(n))</a:t>
-            </a:r>
-          </a:p>
-          <a:p>
-            <a:pPr lvl="1"/>
-            <a:r>
-              <a:rPr lang="en-US" dirty="0">
-                <a:latin typeface="Courier"/>
-              </a:rPr>
-              <a:t>r</a:t>
-            </a:r>
-            <a:r>
-              <a:rPr lang="en-US" dirty="0" smtClean="0">
-                <a:latin typeface="Courier"/>
-              </a:rPr>
-              <a:t>emove</a:t>
-            </a:r>
-            <a:r>
-              <a:rPr lang="en-US" dirty="0" smtClean="0"/>
-              <a:t> or </a:t>
-            </a:r>
-            <a:r>
-              <a:rPr lang="en-US" dirty="0" smtClean="0">
-                <a:latin typeface="Courier"/>
-              </a:rPr>
-              <a:t>poll</a:t>
-            </a:r>
-            <a:r>
-              <a:rPr lang="en-US" dirty="0" smtClean="0"/>
-              <a:t>: O(log(n))</a:t>
-            </a:r>
-          </a:p>
-          <a:p>
-            <a:endParaRPr lang="en-US" dirty="0"/>
-          </a:p>
-          <a:p>
-            <a:pPr marL="344487" lvl="1" indent="0">
-              <a:buNone/>
-            </a:pPr>
-            <a:endParaRPr lang="en-US" dirty="0" smtClean="0"/>
-          </a:p>
-        </p:txBody>
-      </p:sp>
-    </p:spTree>
-    <p:extLst>
-      <p:ext uri="{BB962C8B-B14F-4D97-AF65-F5344CB8AC3E}">
-        <p14:creationId xmlns:p14="http://schemas.microsoft.com/office/powerpoint/2010/main" val="3718158238"/>
       </p:ext>
     </p:extLst>
   </p:cSld>
